--- a/Revue n3/Pierre/Presentation du projet SFL2  (Pierre) Revue 2.pptx
+++ b/Revue n3/Pierre/Presentation du projet SFL2  (Pierre) Revue 2.pptx
@@ -9,6 +9,8 @@
     <p:sldId id="256" r:id="rId6"/>
     <p:sldId id="257" r:id="rId7"/>
     <p:sldId id="260" r:id="rId8"/>
+    <p:sldId id="261" r:id="rId9"/>
+    <p:sldId id="262" r:id="rId10"/>
   </p:sldIdLst>
   <p:sldSz cx="12192000" cy="6858000"/>
   <p:notesSz cx="6858000" cy="9144000"/>
@@ -210,7 +212,7 @@
           <a:effectLst/>
           <a:extLst>
             <a:ext uri="{91240B29-F687-4f45-9708-019B960494DF}">
-              <a14:hiddenLine xmlns:a14="http://schemas.microsoft.com/office/drawing/2010/main" xmlns="" w="9525">
+              <a14:hiddenLine xmlns="" xmlns:a14="http://schemas.microsoft.com/office/drawing/2010/main" w="9525">
                 <a:solidFill>
                   <a:srgbClr val="000000"/>
                 </a:solidFill>
@@ -417,7 +419,7 @@
             <a:fld id="{08B9EBBA-996F-894A-B54A-D6246ED52CEA}" type="datetimeFigureOut">
               <a:rPr lang="en-US" dirty="0"/>
               <a:pPr/>
-              <a:t>4/29/2019</a:t>
+              <a:t>4/30/2019</a:t>
             </a:fld>
             <a:endParaRPr lang="en-US" dirty="0"/>
           </a:p>
@@ -754,7 +756,7 @@
             <a:fld id="{18C79C5D-2A6F-F04D-97DA-BEF2467B64E4}" type="datetimeFigureOut">
               <a:rPr lang="en-US" dirty="0"/>
               <a:pPr/>
-              <a:t>4/29/2019</a:t>
+              <a:t>4/30/2019</a:t>
             </a:fld>
             <a:endParaRPr lang="en-US" dirty="0"/>
           </a:p>
@@ -1264,7 +1266,7 @@
             <a:fld id="{8DFA1846-DA80-1C48-A609-854EA85C59AD}" type="datetimeFigureOut">
               <a:rPr lang="en-US" dirty="0"/>
               <a:pPr/>
-              <a:t>4/29/2019</a:t>
+              <a:t>4/30/2019</a:t>
             </a:fld>
             <a:endParaRPr lang="en-US" dirty="0"/>
           </a:p>
@@ -1652,7 +1654,7 @@
             <a:fld id="{FBF54567-0DE4-3F47-BF90-CB84690072F9}" type="datetimeFigureOut">
               <a:rPr lang="en-US" dirty="0"/>
               <a:pPr/>
-              <a:t>4/29/2019</a:t>
+              <a:t>4/30/2019</a:t>
             </a:fld>
             <a:endParaRPr lang="en-US" dirty="0"/>
           </a:p>
@@ -1811,7 +1813,7 @@
           <a:ln/>
           <a:extLst>
             <a:ext uri="{91240B29-F687-4f45-9708-019B960494DF}">
-              <a14:hiddenLine xmlns:a14="http://schemas.microsoft.com/office/drawing/2010/main" xmlns="" w="9525">
+              <a14:hiddenLine xmlns="" xmlns:a14="http://schemas.microsoft.com/office/drawing/2010/main" w="9525">
                 <a:solidFill>
                   <a:srgbClr val="000000"/>
                 </a:solidFill>
@@ -1954,7 +1956,7 @@
             <a:fld id="{C6C52C72-DE31-F449-A4ED-4C594FD91407}" type="datetimeFigureOut">
               <a:rPr lang="en-US" dirty="0"/>
               <a:pPr/>
-              <a:t>4/29/2019</a:t>
+              <a:t>4/30/2019</a:t>
             </a:fld>
             <a:endParaRPr lang="en-US" dirty="0"/>
           </a:p>
@@ -2115,7 +2117,7 @@
           <a:ln/>
           <a:extLst>
             <a:ext uri="{91240B29-F687-4f45-9708-019B960494DF}">
-              <a14:hiddenLine xmlns:a14="http://schemas.microsoft.com/office/drawing/2010/main" xmlns="" w="9525">
+              <a14:hiddenLine xmlns="" xmlns:a14="http://schemas.microsoft.com/office/drawing/2010/main" w="9525">
                 <a:solidFill>
                   <a:srgbClr val="000000"/>
                 </a:solidFill>
@@ -2258,7 +2260,7 @@
             <a:fld id="{ED62726E-379B-B349-9EED-81ED093FA806}" type="datetimeFigureOut">
               <a:rPr lang="en-US" dirty="0"/>
               <a:pPr/>
-              <a:t>4/29/2019</a:t>
+              <a:t>4/30/2019</a:t>
             </a:fld>
             <a:endParaRPr lang="en-US" dirty="0"/>
           </a:p>
@@ -2470,7 +2472,7 @@
           <a:p>
             <a:fld id="{6B5966FC-E2A4-4A41-ABE3-89077E29579A}" type="datetimeFigureOut">
               <a:rPr lang="fr-FR" smtClean="0"/>
-              <a:t>29/04/2019</a:t>
+              <a:t>30/04/2019</a:t>
             </a:fld>
             <a:endParaRPr lang="fr-FR"/>
           </a:p>
@@ -2668,7 +2670,7 @@
           <a:p>
             <a:fld id="{6B5966FC-E2A4-4A41-ABE3-89077E29579A}" type="datetimeFigureOut">
               <a:rPr lang="fr-FR" smtClean="0"/>
-              <a:t>29/04/2019</a:t>
+              <a:t>30/04/2019</a:t>
             </a:fld>
             <a:endParaRPr lang="fr-FR"/>
           </a:p>
@@ -2943,7 +2945,7 @@
           <a:p>
             <a:fld id="{6B5966FC-E2A4-4A41-ABE3-89077E29579A}" type="datetimeFigureOut">
               <a:rPr lang="fr-FR" smtClean="0"/>
-              <a:t>29/04/2019</a:t>
+              <a:t>30/04/2019</a:t>
             </a:fld>
             <a:endParaRPr lang="fr-FR"/>
           </a:p>
@@ -3208,7 +3210,7 @@
           <a:p>
             <a:fld id="{6B5966FC-E2A4-4A41-ABE3-89077E29579A}" type="datetimeFigureOut">
               <a:rPr lang="fr-FR" smtClean="0"/>
-              <a:t>29/04/2019</a:t>
+              <a:t>30/04/2019</a:t>
             </a:fld>
             <a:endParaRPr lang="fr-FR"/>
           </a:p>
@@ -3620,7 +3622,7 @@
           <a:p>
             <a:fld id="{6B5966FC-E2A4-4A41-ABE3-89077E29579A}" type="datetimeFigureOut">
               <a:rPr lang="fr-FR" smtClean="0"/>
-              <a:t>29/04/2019</a:t>
+              <a:t>30/04/2019</a:t>
             </a:fld>
             <a:endParaRPr lang="fr-FR"/>
           </a:p>
@@ -3787,7 +3789,7 @@
           <a:ln/>
           <a:extLst>
             <a:ext uri="{91240B29-F687-4f45-9708-019B960494DF}">
-              <a14:hiddenLine xmlns:a14="http://schemas.microsoft.com/office/drawing/2010/main" xmlns="" w="9525">
+              <a14:hiddenLine xmlns="" xmlns:a14="http://schemas.microsoft.com/office/drawing/2010/main" w="9525">
                 <a:solidFill>
                   <a:srgbClr val="000000"/>
                 </a:solidFill>
@@ -3930,7 +3932,7 @@
             <a:fld id="{9B3A1323-8D79-1946-B0D7-40001CF92E9D}" type="datetimeFigureOut">
               <a:rPr lang="en-US" dirty="0"/>
               <a:pPr/>
-              <a:t>4/29/2019</a:t>
+              <a:t>4/30/2019</a:t>
             </a:fld>
             <a:endParaRPr lang="en-US" dirty="0"/>
           </a:p>
@@ -4063,7 +4065,7 @@
           <a:p>
             <a:fld id="{6B5966FC-E2A4-4A41-ABE3-89077E29579A}" type="datetimeFigureOut">
               <a:rPr lang="fr-FR" smtClean="0"/>
-              <a:t>29/04/2019</a:t>
+              <a:t>30/04/2019</a:t>
             </a:fld>
             <a:endParaRPr lang="fr-FR"/>
           </a:p>
@@ -4176,7 +4178,7 @@
           <a:p>
             <a:fld id="{6B5966FC-E2A4-4A41-ABE3-89077E29579A}" type="datetimeFigureOut">
               <a:rPr lang="fr-FR" smtClean="0"/>
-              <a:t>29/04/2019</a:t>
+              <a:t>30/04/2019</a:t>
             </a:fld>
             <a:endParaRPr lang="fr-FR"/>
           </a:p>
@@ -4487,7 +4489,7 @@
           <a:p>
             <a:fld id="{6B5966FC-E2A4-4A41-ABE3-89077E29579A}" type="datetimeFigureOut">
               <a:rPr lang="fr-FR" smtClean="0"/>
-              <a:t>29/04/2019</a:t>
+              <a:t>30/04/2019</a:t>
             </a:fld>
             <a:endParaRPr lang="fr-FR"/>
           </a:p>
@@ -4775,7 +4777,7 @@
           <a:p>
             <a:fld id="{6B5966FC-E2A4-4A41-ABE3-89077E29579A}" type="datetimeFigureOut">
               <a:rPr lang="fr-FR" smtClean="0"/>
-              <a:t>29/04/2019</a:t>
+              <a:t>30/04/2019</a:t>
             </a:fld>
             <a:endParaRPr lang="fr-FR"/>
           </a:p>
@@ -4973,7 +4975,7 @@
           <a:p>
             <a:fld id="{6B5966FC-E2A4-4A41-ABE3-89077E29579A}" type="datetimeFigureOut">
               <a:rPr lang="fr-FR" smtClean="0"/>
-              <a:t>29/04/2019</a:t>
+              <a:t>30/04/2019</a:t>
             </a:fld>
             <a:endParaRPr lang="fr-FR"/>
           </a:p>
@@ -5181,7 +5183,7 @@
           <a:p>
             <a:fld id="{6B5966FC-E2A4-4A41-ABE3-89077E29579A}" type="datetimeFigureOut">
               <a:rPr lang="fr-FR" smtClean="0"/>
-              <a:t>29/04/2019</a:t>
+              <a:t>30/04/2019</a:t>
             </a:fld>
             <a:endParaRPr lang="fr-FR"/>
           </a:p>
@@ -5551,7 +5553,7 @@
             <a:fld id="{8DFA1846-DA80-1C48-A609-854EA85C59AD}" type="datetimeFigureOut">
               <a:rPr lang="en-US" dirty="0"/>
               <a:pPr/>
-              <a:t>4/29/2019</a:t>
+              <a:t>4/30/2019</a:t>
             </a:fld>
             <a:endParaRPr lang="en-US" dirty="0"/>
           </a:p>
@@ -5710,7 +5712,7 @@
           <a:ln/>
           <a:extLst>
             <a:ext uri="{91240B29-F687-4f45-9708-019B960494DF}">
-              <a14:hiddenLine xmlns:a14="http://schemas.microsoft.com/office/drawing/2010/main" xmlns="" w="9525">
+              <a14:hiddenLine xmlns="" xmlns:a14="http://schemas.microsoft.com/office/drawing/2010/main" w="9525">
                 <a:solidFill>
                   <a:srgbClr val="000000"/>
                 </a:solidFill>
@@ -5917,7 +5919,7 @@
             <a:fld id="{57302355-E14B-8545-A8F8-0FE83CC9D524}" type="datetimeFigureOut">
               <a:rPr lang="en-US" dirty="0"/>
               <a:pPr/>
-              <a:t>4/29/2019</a:t>
+              <a:t>4/30/2019</a:t>
             </a:fld>
             <a:endParaRPr lang="en-US" dirty="0"/>
           </a:p>
@@ -6076,7 +6078,7 @@
           <a:ln/>
           <a:extLst>
             <a:ext uri="{91240B29-F687-4f45-9708-019B960494DF}">
-              <a14:hiddenLine xmlns:a14="http://schemas.microsoft.com/office/drawing/2010/main" xmlns="" w="9525">
+              <a14:hiddenLine xmlns="" xmlns:a14="http://schemas.microsoft.com/office/drawing/2010/main" w="9525">
                 <a:solidFill>
                   <a:srgbClr val="000000"/>
                 </a:solidFill>
@@ -6427,7 +6429,7 @@
             <a:fld id="{02640F58-564D-2B4F-AE67-E407BA4FCF45}" type="datetimeFigureOut">
               <a:rPr lang="en-US" dirty="0"/>
               <a:pPr/>
-              <a:t>4/29/2019</a:t>
+              <a:t>4/30/2019</a:t>
             </a:fld>
             <a:endParaRPr lang="en-US" dirty="0"/>
           </a:p>
@@ -6586,7 +6588,7 @@
           <a:ln/>
           <a:extLst>
             <a:ext uri="{91240B29-F687-4f45-9708-019B960494DF}">
-              <a14:hiddenLine xmlns:a14="http://schemas.microsoft.com/office/drawing/2010/main" xmlns="" w="9525">
+              <a14:hiddenLine xmlns="" xmlns:a14="http://schemas.microsoft.com/office/drawing/2010/main" w="9525">
                 <a:solidFill>
                   <a:srgbClr val="000000"/>
                 </a:solidFill>
@@ -6669,7 +6671,7 @@
             <a:fld id="{F13A34C8-038E-2045-AF43-DF7DBB8E0E9E}" type="datetimeFigureOut">
               <a:rPr lang="en-US" dirty="0"/>
               <a:pPr/>
-              <a:t>4/29/2019</a:t>
+              <a:t>4/30/2019</a:t>
             </a:fld>
             <a:endParaRPr lang="en-US" dirty="0"/>
           </a:p>
@@ -6777,7 +6779,7 @@
             <a:fld id="{8818C68F-D26B-8F47-958C-23B49CF8A634}" type="datetimeFigureOut">
               <a:rPr lang="en-US" dirty="0"/>
               <a:pPr/>
-              <a:t>4/29/2019</a:t>
+              <a:t>4/30/2019</a:t>
             </a:fld>
             <a:endParaRPr lang="en-US" dirty="0"/>
           </a:p>
@@ -7049,7 +7051,7 @@
           <a:ln/>
           <a:extLst>
             <a:ext uri="{91240B29-F687-4f45-9708-019B960494DF}">
-              <a14:hiddenLine xmlns:a14="http://schemas.microsoft.com/office/drawing/2010/main" xmlns="" w="9525">
+              <a14:hiddenLine xmlns="" xmlns:a14="http://schemas.microsoft.com/office/drawing/2010/main" w="9525">
                 <a:solidFill>
                   <a:srgbClr val="000000"/>
                 </a:solidFill>
@@ -7266,7 +7268,7 @@
             <a:fld id="{D0DF5E60-9974-AC48-9591-99C2BB44B7CF}" type="datetimeFigureOut">
               <a:rPr lang="en-US" dirty="0"/>
               <a:pPr/>
-              <a:t>4/29/2019</a:t>
+              <a:t>4/30/2019</a:t>
             </a:fld>
             <a:endParaRPr lang="en-US" dirty="0"/>
           </a:p>
@@ -7593,7 +7595,7 @@
             <a:fld id="{18C79C5D-2A6F-F04D-97DA-BEF2467B64E4}" type="datetimeFigureOut">
               <a:rPr lang="en-US" dirty="0"/>
               <a:pPr/>
-              <a:t>4/29/2019</a:t>
+              <a:t>4/30/2019</a:t>
             </a:fld>
             <a:endParaRPr lang="en-US" dirty="0"/>
           </a:p>
@@ -8274,7 +8276,7 @@
           <a:p>
             <a:fld id="{6B5966FC-E2A4-4A41-ABE3-89077E29579A}" type="datetimeFigureOut">
               <a:rPr lang="fr-FR" smtClean="0"/>
-              <a:t>29/04/2019</a:t>
+              <a:t>30/04/2019</a:t>
             </a:fld>
             <a:endParaRPr lang="fr-FR"/>
           </a:p>
@@ -9241,7 +9243,7 @@
           <a:p>
             <a:r>
               <a:rPr lang="fr-FR" dirty="0"/>
-              <a:t>Application SCAN</a:t>
+              <a:t>Sommaire</a:t>
             </a:r>
           </a:p>
         </p:txBody>
@@ -9368,6 +9370,416 @@
     <p:extLst>
       <p:ext uri="{BB962C8B-B14F-4D97-AF65-F5344CB8AC3E}">
         <p14:creationId xmlns:p14="http://schemas.microsoft.com/office/powerpoint/2010/main" val="1622655360"/>
+      </p:ext>
+    </p:extLst>
+  </p:cSld>
+  <p:clrMapOvr>
+    <a:masterClrMapping/>
+  </p:clrMapOvr>
+</p:sld>
+</file>
+
+<file path=ppt/slides/slide4.xml><?xml version="1.0" encoding="utf-8"?>
+<p:sld xmlns:a="http://schemas.openxmlformats.org/drawingml/2006/main" xmlns:r="http://schemas.openxmlformats.org/officeDocument/2006/relationships" xmlns:p="http://schemas.openxmlformats.org/presentationml/2006/main">
+  <p:cSld>
+    <p:spTree>
+      <p:nvGrpSpPr>
+        <p:cNvPr id="1" name=""/>
+        <p:cNvGrpSpPr/>
+        <p:nvPr/>
+      </p:nvGrpSpPr>
+      <p:grpSpPr>
+        <a:xfrm>
+          <a:off x="0" y="0"/>
+          <a:ext cx="0" cy="0"/>
+          <a:chOff x="0" y="0"/>
+          <a:chExt cx="0" cy="0"/>
+        </a:xfrm>
+      </p:grpSpPr>
+      <p:sp>
+        <p:nvSpPr>
+          <p:cNvPr id="2" name="Titre 1">
+            <a:extLst>
+              <a:ext uri="{FF2B5EF4-FFF2-40B4-BE49-F238E27FC236}">
+                <a16:creationId xmlns:a16="http://schemas.microsoft.com/office/drawing/2014/main" id="{C0EABB35-02BF-4927-88A2-2B4347F5A20D}"/>
+              </a:ext>
+            </a:extLst>
+          </p:cNvPr>
+          <p:cNvSpPr>
+            <a:spLocks noGrp="1"/>
+          </p:cNvSpPr>
+          <p:nvPr>
+            <p:ph type="title"/>
+          </p:nvPr>
+        </p:nvSpPr>
+        <p:spPr>
+          <a:xfrm>
+            <a:off x="652663" y="1657033"/>
+            <a:ext cx="5893840" cy="1342908"/>
+          </a:xfrm>
+        </p:spPr>
+        <p:txBody>
+          <a:bodyPr/>
+          <a:lstStyle/>
+          <a:p>
+            <a:r>
+              <a:rPr lang="fr-FR" dirty="0"/>
+              <a:t>A venir</a:t>
+            </a:r>
+          </a:p>
+        </p:txBody>
+      </p:sp>
+      <p:sp>
+        <p:nvSpPr>
+          <p:cNvPr id="3" name="Espace réservé du texte 2">
+            <a:extLst>
+              <a:ext uri="{FF2B5EF4-FFF2-40B4-BE49-F238E27FC236}">
+                <a16:creationId xmlns:a16="http://schemas.microsoft.com/office/drawing/2014/main" id="{B5912F65-287A-4632-ABC3-8E74B190C1FA}"/>
+              </a:ext>
+            </a:extLst>
+          </p:cNvPr>
+          <p:cNvSpPr>
+            <a:spLocks noGrp="1"/>
+          </p:cNvSpPr>
+          <p:nvPr>
+            <p:ph type="body" idx="1"/>
+          </p:nvPr>
+        </p:nvSpPr>
+        <p:spPr>
+          <a:xfrm>
+            <a:off x="1083339" y="4832997"/>
+            <a:ext cx="5891636" cy="1456188"/>
+          </a:xfrm>
+        </p:spPr>
+        <p:txBody>
+          <a:bodyPr/>
+          <a:lstStyle/>
+          <a:p>
+            <a:pPr marL="285750" indent="-285750">
+              <a:buFont typeface="Courier New" panose="02070309020205020404" pitchFamily="49" charset="0"/>
+              <a:buChar char="o"/>
+            </a:pPr>
+            <a:r>
+              <a:rPr lang="fr-FR" sz="2400" dirty="0"/>
+              <a:t>Scan QR Code</a:t>
+            </a:r>
+          </a:p>
+          <a:p>
+            <a:pPr marL="285750" indent="-285750">
+              <a:buFont typeface="Courier New" panose="02070309020205020404" pitchFamily="49" charset="0"/>
+              <a:buChar char="o"/>
+            </a:pPr>
+            <a:r>
+              <a:rPr lang="fr-FR" sz="2400" dirty="0"/>
+              <a:t>Conversion des données de la base de données en fichier .JSON</a:t>
+            </a:r>
+          </a:p>
+        </p:txBody>
+      </p:sp>
+      <p:pic>
+        <p:nvPicPr>
+          <p:cNvPr id="10" name="Image 9">
+            <a:extLst>
+              <a:ext uri="{FF2B5EF4-FFF2-40B4-BE49-F238E27FC236}">
+                <a16:creationId xmlns:a16="http://schemas.microsoft.com/office/drawing/2014/main" id="{61FAD1AB-71DB-4156-899F-DCC887E024CD}"/>
+              </a:ext>
+            </a:extLst>
+          </p:cNvPr>
+          <p:cNvPicPr>
+            <a:picLocks noChangeAspect="1"/>
+          </p:cNvPicPr>
+          <p:nvPr/>
+        </p:nvPicPr>
+        <p:blipFill>
+          <a:blip r:embed="rId2" cstate="print">
+            <a:extLst>
+              <a:ext uri="{28A0092B-C50C-407E-A947-70E740481C1C}">
+                <a14:useLocalDpi xmlns:a14="http://schemas.microsoft.com/office/drawing/2010/main" val="0"/>
+              </a:ext>
+            </a:extLst>
+          </a:blip>
+          <a:stretch>
+            <a:fillRect/>
+          </a:stretch>
+        </p:blipFill>
+        <p:spPr>
+          <a:xfrm>
+            <a:off x="8079464" y="1781091"/>
+            <a:ext cx="3459873" cy="4331368"/>
+          </a:xfrm>
+          <a:prstGeom prst="rect">
+            <a:avLst/>
+          </a:prstGeom>
+        </p:spPr>
+      </p:pic>
+      <p:sp>
+        <p:nvSpPr>
+          <p:cNvPr id="4" name="ZoneTexte 3">
+            <a:extLst>
+              <a:ext uri="{FF2B5EF4-FFF2-40B4-BE49-F238E27FC236}">
+                <a16:creationId xmlns:a16="http://schemas.microsoft.com/office/drawing/2014/main" id="{CBEFB6C7-F802-4D47-80D7-841B6A40CDA6}"/>
+              </a:ext>
+            </a:extLst>
+          </p:cNvPr>
+          <p:cNvSpPr txBox="1"/>
+          <p:nvPr/>
+        </p:nvSpPr>
+        <p:spPr>
+          <a:xfrm>
+            <a:off x="2597266" y="4182077"/>
+            <a:ext cx="2004634" cy="461665"/>
+          </a:xfrm>
+          <a:prstGeom prst="rect">
+            <a:avLst/>
+          </a:prstGeom>
+          <a:noFill/>
+        </p:spPr>
+        <p:txBody>
+          <a:bodyPr wrap="square" rtlCol="0">
+            <a:spAutoFit/>
+          </a:bodyPr>
+          <a:lstStyle/>
+          <a:p>
+            <a:r>
+              <a:rPr lang="fr-FR" sz="2400" b="1" u="sng" dirty="0"/>
+              <a:t>Application</a:t>
+            </a:r>
+          </a:p>
+        </p:txBody>
+      </p:sp>
+    </p:spTree>
+    <p:extLst>
+      <p:ext uri="{BB962C8B-B14F-4D97-AF65-F5344CB8AC3E}">
+        <p14:creationId xmlns:p14="http://schemas.microsoft.com/office/powerpoint/2010/main" val="1219649566"/>
+      </p:ext>
+    </p:extLst>
+  </p:cSld>
+  <p:clrMapOvr>
+    <a:masterClrMapping/>
+  </p:clrMapOvr>
+</p:sld>
+</file>
+
+<file path=ppt/slides/slide5.xml><?xml version="1.0" encoding="utf-8"?>
+<p:sld xmlns:a="http://schemas.openxmlformats.org/drawingml/2006/main" xmlns:r="http://schemas.openxmlformats.org/officeDocument/2006/relationships" xmlns:p="http://schemas.openxmlformats.org/presentationml/2006/main">
+  <p:cSld>
+    <p:bg>
+      <p:bgPr>
+        <a:solidFill>
+          <a:schemeClr val="bg2"/>
+        </a:solidFill>
+        <a:effectLst/>
+      </p:bgPr>
+    </p:bg>
+    <p:spTree>
+      <p:nvGrpSpPr>
+        <p:cNvPr id="1" name=""/>
+        <p:cNvGrpSpPr/>
+        <p:nvPr/>
+      </p:nvGrpSpPr>
+      <p:grpSpPr>
+        <a:xfrm>
+          <a:off x="0" y="0"/>
+          <a:ext cx="0" cy="0"/>
+          <a:chOff x="0" y="0"/>
+          <a:chExt cx="0" cy="0"/>
+        </a:xfrm>
+      </p:grpSpPr>
+      <p:sp>
+        <p:nvSpPr>
+          <p:cNvPr id="15" name="Freeform 6">
+            <a:extLst>
+              <a:ext uri="{FF2B5EF4-FFF2-40B4-BE49-F238E27FC236}">
+                <a16:creationId xmlns:a16="http://schemas.microsoft.com/office/drawing/2014/main" id="{E446B7E6-8568-417F-959E-DB3D1E70F648}"/>
+              </a:ext>
+              <a:ext uri="{C183D7F6-B498-43B3-948B-1728B52AA6E4}">
+                <adec:decorative xmlns:adec="http://schemas.microsoft.com/office/drawing/2017/decorative" val="1"/>
+              </a:ext>
+            </a:extLst>
+          </p:cNvPr>
+          <p:cNvSpPr>
+            <a:spLocks noGrp="1" noRot="1" noChangeAspect="1" noMove="1" noResize="1" noEditPoints="1" noAdjustHandles="1" noChangeArrowheads="1" noChangeShapeType="1" noTextEdit="1"/>
+          </p:cNvSpPr>
+          <p:nvPr>
+            <p:extLst>
+              <p:ext uri="{386F3935-93C4-4BCD-93E2-E3B085C9AB24}">
+                <p16:designElem xmlns:p16="http://schemas.microsoft.com/office/powerpoint/2015/main" val="1"/>
+              </p:ext>
+            </p:extLst>
+          </p:nvPr>
+        </p:nvSpPr>
+        <p:spPr bwMode="auto">
+          <a:xfrm>
+            <a:off x="0" y="-3175"/>
+            <a:ext cx="12192000" cy="5203825"/>
+          </a:xfrm>
+          <a:custGeom>
+            <a:avLst/>
+            <a:gdLst/>
+            <a:ahLst/>
+            <a:cxnLst/>
+            <a:rect l="0" t="0" r="r" b="b"/>
+            <a:pathLst>
+              <a:path w="5760" h="3278">
+                <a:moveTo>
+                  <a:pt x="5760" y="0"/>
+                </a:moveTo>
+                <a:lnTo>
+                  <a:pt x="0" y="0"/>
+                </a:lnTo>
+                <a:lnTo>
+                  <a:pt x="0" y="3090"/>
+                </a:lnTo>
+                <a:lnTo>
+                  <a:pt x="943" y="3090"/>
+                </a:lnTo>
+                <a:lnTo>
+                  <a:pt x="1123" y="3270"/>
+                </a:lnTo>
+                <a:lnTo>
+                  <a:pt x="1123" y="3270"/>
+                </a:lnTo>
+                <a:lnTo>
+                  <a:pt x="1127" y="3272"/>
+                </a:lnTo>
+                <a:lnTo>
+                  <a:pt x="1133" y="3275"/>
+                </a:lnTo>
+                <a:lnTo>
+                  <a:pt x="1139" y="3278"/>
+                </a:lnTo>
+                <a:lnTo>
+                  <a:pt x="1144" y="3278"/>
+                </a:lnTo>
+                <a:lnTo>
+                  <a:pt x="1150" y="3278"/>
+                </a:lnTo>
+                <a:lnTo>
+                  <a:pt x="1155" y="3275"/>
+                </a:lnTo>
+                <a:lnTo>
+                  <a:pt x="1161" y="3272"/>
+                </a:lnTo>
+                <a:lnTo>
+                  <a:pt x="1165" y="3270"/>
+                </a:lnTo>
+                <a:lnTo>
+                  <a:pt x="1345" y="3090"/>
+                </a:lnTo>
+                <a:lnTo>
+                  <a:pt x="5760" y="3090"/>
+                </a:lnTo>
+                <a:lnTo>
+                  <a:pt x="5760" y="0"/>
+                </a:lnTo>
+                <a:close/>
+              </a:path>
+            </a:pathLst>
+          </a:custGeom>
+          <a:ln/>
+          <a:effectLst/>
+          <a:extLst>
+            <a:ext uri="{91240B29-F687-4f45-9708-019B960494DF}">
+              <a14:hiddenLine xmlns="" xmlns:a16="http://schemas.microsoft.com/office/drawing/2014/main" xmlns:p14="http://schemas.microsoft.com/office/powerpoint/2010/main" xmlns:a14="http://schemas.microsoft.com/office/drawing/2010/main" w="9525">
+                <a:solidFill>
+                  <a:srgbClr val="000000"/>
+                </a:solidFill>
+                <a:round/>
+                <a:headEnd/>
+                <a:tailEnd/>
+              </a14:hiddenLine>
+            </a:ext>
+          </a:extLst>
+        </p:spPr>
+        <p:style>
+          <a:lnRef idx="1">
+            <a:schemeClr val="accent1"/>
+          </a:lnRef>
+          <a:fillRef idx="3">
+            <a:schemeClr val="accent1"/>
+          </a:fillRef>
+          <a:effectRef idx="2">
+            <a:schemeClr val="accent1"/>
+          </a:effectRef>
+          <a:fontRef idx="minor">
+            <a:schemeClr val="lt1"/>
+          </a:fontRef>
+        </p:style>
+      </p:sp>
+      <p:sp>
+        <p:nvSpPr>
+          <p:cNvPr id="2" name="Titre 1">
+            <a:extLst>
+              <a:ext uri="{FF2B5EF4-FFF2-40B4-BE49-F238E27FC236}">
+                <a16:creationId xmlns:a16="http://schemas.microsoft.com/office/drawing/2014/main" id="{C0EABB35-02BF-4927-88A2-2B4347F5A20D}"/>
+              </a:ext>
+            </a:extLst>
+          </p:cNvPr>
+          <p:cNvSpPr>
+            <a:spLocks noGrp="1"/>
+          </p:cNvSpPr>
+          <p:nvPr>
+            <p:ph type="title"/>
+          </p:nvPr>
+        </p:nvSpPr>
+        <p:spPr>
+          <a:xfrm>
+            <a:off x="810001" y="639097"/>
+            <a:ext cx="6446205" cy="3781101"/>
+          </a:xfrm>
+        </p:spPr>
+        <p:txBody>
+          <a:bodyPr vert="horz" lIns="91440" tIns="45720" rIns="91440" bIns="45720" rtlCol="0" anchor="b">
+            <a:normAutofit/>
+          </a:bodyPr>
+          <a:lstStyle/>
+          <a:p>
+            <a:r>
+              <a:rPr lang="en-US" sz="5400"/>
+              <a:t>CONCLUSION</a:t>
+            </a:r>
+          </a:p>
+        </p:txBody>
+      </p:sp>
+      <p:pic>
+        <p:nvPicPr>
+          <p:cNvPr id="10" name="Image 9">
+            <a:extLst>
+              <a:ext uri="{FF2B5EF4-FFF2-40B4-BE49-F238E27FC236}">
+                <a16:creationId xmlns:a16="http://schemas.microsoft.com/office/drawing/2014/main" id="{61FAD1AB-71DB-4156-899F-DCC887E024CD}"/>
+              </a:ext>
+            </a:extLst>
+          </p:cNvPr>
+          <p:cNvPicPr>
+            <a:picLocks noChangeAspect="1"/>
+          </p:cNvPicPr>
+          <p:nvPr/>
+        </p:nvPicPr>
+        <p:blipFill rotWithShape="1">
+          <a:blip r:embed="rId2" cstate="print">
+            <a:extLst>
+              <a:ext uri="{28A0092B-C50C-407E-A947-70E740481C1C}">
+                <a14:useLocalDpi xmlns:a14="http://schemas.microsoft.com/office/drawing/2010/main" val="0"/>
+              </a:ext>
+            </a:extLst>
+          </a:blip>
+          <a:srcRect l="2910" r="2904"/>
+          <a:stretch/>
+        </p:blipFill>
+        <p:spPr>
+          <a:xfrm>
+            <a:off x="7714911" y="466189"/>
+            <a:ext cx="4018384" cy="5925621"/>
+          </a:xfrm>
+          <a:prstGeom prst="rect">
+            <a:avLst/>
+          </a:prstGeom>
+        </p:spPr>
+      </p:pic>
+    </p:spTree>
+    <p:extLst>
+      <p:ext uri="{BB962C8B-B14F-4D97-AF65-F5344CB8AC3E}">
+        <p14:creationId xmlns:p14="http://schemas.microsoft.com/office/powerpoint/2010/main" val="1128828615"/>
       </p:ext>
     </p:extLst>
   </p:cSld>
@@ -9954,7 +10366,7 @@
 
 <file path=customXml/item1.xml><?xml version="1.0" encoding="utf-8"?>
 <Control xmlns="http://schemas.microsoft.com/VisualStudio/2011/storyboarding/control">
-  <Id Name="System.Storyboarding.Annotation.StickyNote" Revision="1" Stencil="System.Storyboarding.Annotation" StencilVersion="0.1"/>
+  <Id Name="System.Storyboarding.WindowsDesktop.Keyboard" Revision="1" Stencil="System.Storyboarding.WindowsDesktop" StencilVersion="0.1"/>
 </Control>
 </file>
 
@@ -9966,12 +10378,12 @@
 
 <file path=customXml/item3.xml><?xml version="1.0" encoding="utf-8"?>
 <Control xmlns="http://schemas.microsoft.com/VisualStudio/2011/storyboarding/control">
-  <Id Name="System.Storyboarding.WindowsDesktop.Keyboard" Revision="1" Stencil="System.Storyboarding.WindowsDesktop" StencilVersion="0.1"/>
+  <Id Name="System.Storyboarding.Annotation.StickyNote" Revision="1" Stencil="System.Storyboarding.Annotation" StencilVersion="0.1"/>
 </Control>
 </file>
 
 <file path=customXml/itemProps1.xml><?xml version="1.0" encoding="utf-8"?>
-<ds:datastoreItem xmlns:ds="http://schemas.openxmlformats.org/officeDocument/2006/customXml" ds:itemID="{853018AC-5FAD-4FD3-9EDF-33F2B2469FEE}">
+<ds:datastoreItem xmlns:ds="http://schemas.openxmlformats.org/officeDocument/2006/customXml" ds:itemID="{793F4A50-DB17-4A73-90F2-BB566E249850}">
   <ds:schemaRefs>
     <ds:schemaRef ds:uri="http://schemas.microsoft.com/VisualStudio/2011/storyboarding/control"/>
   </ds:schemaRefs>
@@ -9987,7 +10399,7 @@
 </file>
 
 <file path=customXml/itemProps3.xml><?xml version="1.0" encoding="utf-8"?>
-<ds:datastoreItem xmlns:ds="http://schemas.openxmlformats.org/officeDocument/2006/customXml" ds:itemID="{793F4A50-DB17-4A73-90F2-BB566E249850}">
+<ds:datastoreItem xmlns:ds="http://schemas.openxmlformats.org/officeDocument/2006/customXml" ds:itemID="{853018AC-5FAD-4FD3-9EDF-33F2B2469FEE}">
   <ds:schemaRefs>
     <ds:schemaRef ds:uri="http://schemas.microsoft.com/VisualStudio/2011/storyboarding/control"/>
   </ds:schemaRefs>

--- a/Revue n3/Pierre/Presentation du projet SFL2  (Pierre) Revue 2.pptx
+++ b/Revue n3/Pierre/Presentation du projet SFL2  (Pierre) Revue 2.pptx
@@ -212,7 +212,7 @@
           <a:effectLst/>
           <a:extLst>
             <a:ext uri="{91240B29-F687-4f45-9708-019B960494DF}">
-              <a14:hiddenLine xmlns="" xmlns:a14="http://schemas.microsoft.com/office/drawing/2010/main" w="9525">
+              <a14:hiddenLine xmlns:a14="http://schemas.microsoft.com/office/drawing/2010/main" xmlns="" w="9525">
                 <a:solidFill>
                   <a:srgbClr val="000000"/>
                 </a:solidFill>
@@ -1813,7 +1813,7 @@
           <a:ln/>
           <a:extLst>
             <a:ext uri="{91240B29-F687-4f45-9708-019B960494DF}">
-              <a14:hiddenLine xmlns="" xmlns:a14="http://schemas.microsoft.com/office/drawing/2010/main" w="9525">
+              <a14:hiddenLine xmlns:a14="http://schemas.microsoft.com/office/drawing/2010/main" xmlns="" w="9525">
                 <a:solidFill>
                   <a:srgbClr val="000000"/>
                 </a:solidFill>
@@ -2117,7 +2117,7 @@
           <a:ln/>
           <a:extLst>
             <a:ext uri="{91240B29-F687-4f45-9708-019B960494DF}">
-              <a14:hiddenLine xmlns="" xmlns:a14="http://schemas.microsoft.com/office/drawing/2010/main" w="9525">
+              <a14:hiddenLine xmlns:a14="http://schemas.microsoft.com/office/drawing/2010/main" xmlns="" w="9525">
                 <a:solidFill>
                   <a:srgbClr val="000000"/>
                 </a:solidFill>
@@ -3789,7 +3789,7 @@
           <a:ln/>
           <a:extLst>
             <a:ext uri="{91240B29-F687-4f45-9708-019B960494DF}">
-              <a14:hiddenLine xmlns="" xmlns:a14="http://schemas.microsoft.com/office/drawing/2010/main" w="9525">
+              <a14:hiddenLine xmlns:a14="http://schemas.microsoft.com/office/drawing/2010/main" xmlns="" w="9525">
                 <a:solidFill>
                   <a:srgbClr val="000000"/>
                 </a:solidFill>
@@ -5712,7 +5712,7 @@
           <a:ln/>
           <a:extLst>
             <a:ext uri="{91240B29-F687-4f45-9708-019B960494DF}">
-              <a14:hiddenLine xmlns="" xmlns:a14="http://schemas.microsoft.com/office/drawing/2010/main" w="9525">
+              <a14:hiddenLine xmlns:a14="http://schemas.microsoft.com/office/drawing/2010/main" xmlns="" w="9525">
                 <a:solidFill>
                   <a:srgbClr val="000000"/>
                 </a:solidFill>
@@ -6078,7 +6078,7 @@
           <a:ln/>
           <a:extLst>
             <a:ext uri="{91240B29-F687-4f45-9708-019B960494DF}">
-              <a14:hiddenLine xmlns="" xmlns:a14="http://schemas.microsoft.com/office/drawing/2010/main" w="9525">
+              <a14:hiddenLine xmlns:a14="http://schemas.microsoft.com/office/drawing/2010/main" xmlns="" w="9525">
                 <a:solidFill>
                   <a:srgbClr val="000000"/>
                 </a:solidFill>
@@ -6588,7 +6588,7 @@
           <a:ln/>
           <a:extLst>
             <a:ext uri="{91240B29-F687-4f45-9708-019B960494DF}">
-              <a14:hiddenLine xmlns="" xmlns:a14="http://schemas.microsoft.com/office/drawing/2010/main" w="9525">
+              <a14:hiddenLine xmlns:a14="http://schemas.microsoft.com/office/drawing/2010/main" xmlns="" w="9525">
                 <a:solidFill>
                   <a:srgbClr val="000000"/>
                 </a:solidFill>
@@ -7051,7 +7051,7 @@
           <a:ln/>
           <a:extLst>
             <a:ext uri="{91240B29-F687-4f45-9708-019B960494DF}">
-              <a14:hiddenLine xmlns="" xmlns:a14="http://schemas.microsoft.com/office/drawing/2010/main" w="9525">
+              <a14:hiddenLine xmlns:a14="http://schemas.microsoft.com/office/drawing/2010/main" xmlns="" w="9525">
                 <a:solidFill>
                   <a:srgbClr val="000000"/>
                 </a:solidFill>
@@ -9680,7 +9680,7 @@
           <a:effectLst/>
           <a:extLst>
             <a:ext uri="{91240B29-F687-4f45-9708-019B960494DF}">
-              <a14:hiddenLine xmlns="" xmlns:a16="http://schemas.microsoft.com/office/drawing/2014/main" xmlns:p14="http://schemas.microsoft.com/office/powerpoint/2010/main" xmlns:a14="http://schemas.microsoft.com/office/drawing/2010/main" w="9525">
+              <a14:hiddenLine xmlns:a14="http://schemas.microsoft.com/office/drawing/2010/main" xmlns:p14="http://schemas.microsoft.com/office/powerpoint/2010/main" xmlns:a16="http://schemas.microsoft.com/office/drawing/2014/main" xmlns="" w="9525">
                 <a:solidFill>
                   <a:srgbClr val="000000"/>
                 </a:solidFill>
@@ -10366,7 +10366,7 @@
 
 <file path=customXml/item1.xml><?xml version="1.0" encoding="utf-8"?>
 <Control xmlns="http://schemas.microsoft.com/VisualStudio/2011/storyboarding/control">
-  <Id Name="System.Storyboarding.WindowsDesktop.Keyboard" Revision="1" Stencil="System.Storyboarding.WindowsDesktop" StencilVersion="0.1"/>
+  <Id Name="System.Storyboarding.Annotation.StickyNote" Revision="1" Stencil="System.Storyboarding.Annotation" StencilVersion="0.1"/>
 </Control>
 </file>
 
@@ -10378,12 +10378,12 @@
 
 <file path=customXml/item3.xml><?xml version="1.0" encoding="utf-8"?>
 <Control xmlns="http://schemas.microsoft.com/VisualStudio/2011/storyboarding/control">
-  <Id Name="System.Storyboarding.Annotation.StickyNote" Revision="1" Stencil="System.Storyboarding.Annotation" StencilVersion="0.1"/>
+  <Id Name="System.Storyboarding.WindowsDesktop.Keyboard" Revision="1" Stencil="System.Storyboarding.WindowsDesktop" StencilVersion="0.1"/>
 </Control>
 </file>
 
 <file path=customXml/itemProps1.xml><?xml version="1.0" encoding="utf-8"?>
-<ds:datastoreItem xmlns:ds="http://schemas.openxmlformats.org/officeDocument/2006/customXml" ds:itemID="{793F4A50-DB17-4A73-90F2-BB566E249850}">
+<ds:datastoreItem xmlns:ds="http://schemas.openxmlformats.org/officeDocument/2006/customXml" ds:itemID="{853018AC-5FAD-4FD3-9EDF-33F2B2469FEE}">
   <ds:schemaRefs>
     <ds:schemaRef ds:uri="http://schemas.microsoft.com/VisualStudio/2011/storyboarding/control"/>
   </ds:schemaRefs>
@@ -10399,7 +10399,7 @@
 </file>
 
 <file path=customXml/itemProps3.xml><?xml version="1.0" encoding="utf-8"?>
-<ds:datastoreItem xmlns:ds="http://schemas.openxmlformats.org/officeDocument/2006/customXml" ds:itemID="{853018AC-5FAD-4FD3-9EDF-33F2B2469FEE}">
+<ds:datastoreItem xmlns:ds="http://schemas.openxmlformats.org/officeDocument/2006/customXml" ds:itemID="{793F4A50-DB17-4A73-90F2-BB566E249850}">
   <ds:schemaRefs>
     <ds:schemaRef ds:uri="http://schemas.microsoft.com/VisualStudio/2011/storyboarding/control"/>
   </ds:schemaRefs>
